--- a/My PhoneBook - Matej Miholjek.pptx
+++ b/My PhoneBook - Matej Miholjek.pptx
@@ -109,6 +109,11 @@
       </a:defRPr>
     </a:lvl9pPr>
   </p:defaultTextStyle>
+  <p:extLst>
+    <p:ext uri="{EFAFB233-063F-42B5-8137-9DF3F51BA10A}">
+      <p15:sldGuideLst xmlns:p15="http://schemas.microsoft.com/office/powerpoint/2012/main"/>
+    </p:ext>
+  </p:extLst>
 </p:presentation>
 </file>
 
@@ -834,7 +839,7 @@
           <a:p>
             <a:fld id="{60158256-5D41-4188-A8A3-7702DEC4CA9C}" type="datetimeFigureOut">
               <a:rPr lang="hr-HR" smtClean="0"/>
-              <a:t>5.2.2020.</a:t>
+              <a:t>6.2.2020.</a:t>
             </a:fld>
             <a:endParaRPr lang="hr-HR"/>
           </a:p>
@@ -1085,7 +1090,7 @@
           <a:p>
             <a:fld id="{60158256-5D41-4188-A8A3-7702DEC4CA9C}" type="datetimeFigureOut">
               <a:rPr lang="hr-HR" smtClean="0"/>
-              <a:t>5.2.2020.</a:t>
+              <a:t>6.2.2020.</a:t>
             </a:fld>
             <a:endParaRPr lang="hr-HR"/>
           </a:p>
@@ -1399,7 +1404,7 @@
           <a:p>
             <a:fld id="{60158256-5D41-4188-A8A3-7702DEC4CA9C}" type="datetimeFigureOut">
               <a:rPr lang="hr-HR" smtClean="0"/>
-              <a:t>5.2.2020.</a:t>
+              <a:t>6.2.2020.</a:t>
             </a:fld>
             <a:endParaRPr lang="hr-HR"/>
           </a:p>
@@ -1740,7 +1745,7 @@
           <a:p>
             <a:fld id="{60158256-5D41-4188-A8A3-7702DEC4CA9C}" type="datetimeFigureOut">
               <a:rPr lang="hr-HR" smtClean="0"/>
-              <a:t>5.2.2020.</a:t>
+              <a:t>6.2.2020.</a:t>
             </a:fld>
             <a:endParaRPr lang="hr-HR"/>
           </a:p>
@@ -2054,7 +2059,7 @@
           <a:p>
             <a:fld id="{60158256-5D41-4188-A8A3-7702DEC4CA9C}" type="datetimeFigureOut">
               <a:rPr lang="hr-HR" smtClean="0"/>
-              <a:t>5.2.2020.</a:t>
+              <a:t>6.2.2020.</a:t>
             </a:fld>
             <a:endParaRPr lang="hr-HR"/>
           </a:p>
@@ -2447,7 +2452,7 @@
           <a:p>
             <a:fld id="{60158256-5D41-4188-A8A3-7702DEC4CA9C}" type="datetimeFigureOut">
               <a:rPr lang="hr-HR" smtClean="0"/>
-              <a:t>5.2.2020.</a:t>
+              <a:t>6.2.2020.</a:t>
             </a:fld>
             <a:endParaRPr lang="hr-HR"/>
           </a:p>
@@ -2617,7 +2622,7 @@
           <a:p>
             <a:fld id="{60158256-5D41-4188-A8A3-7702DEC4CA9C}" type="datetimeFigureOut">
               <a:rPr lang="hr-HR" smtClean="0"/>
-              <a:t>5.2.2020.</a:t>
+              <a:t>6.2.2020.</a:t>
             </a:fld>
             <a:endParaRPr lang="hr-HR"/>
           </a:p>
@@ -2797,7 +2802,7 @@
           <a:p>
             <a:fld id="{60158256-5D41-4188-A8A3-7702DEC4CA9C}" type="datetimeFigureOut">
               <a:rPr lang="hr-HR" smtClean="0"/>
-              <a:t>5.2.2020.</a:t>
+              <a:t>6.2.2020.</a:t>
             </a:fld>
             <a:endParaRPr lang="hr-HR"/>
           </a:p>
@@ -2973,7 +2978,7 @@
           <a:p>
             <a:fld id="{60158256-5D41-4188-A8A3-7702DEC4CA9C}" type="datetimeFigureOut">
               <a:rPr lang="hr-HR" smtClean="0"/>
-              <a:t>5.2.2020.</a:t>
+              <a:t>6.2.2020.</a:t>
             </a:fld>
             <a:endParaRPr lang="hr-HR"/>
           </a:p>
@@ -3220,7 +3225,7 @@
           <a:p>
             <a:fld id="{60158256-5D41-4188-A8A3-7702DEC4CA9C}" type="datetimeFigureOut">
               <a:rPr lang="hr-HR" smtClean="0"/>
-              <a:t>5.2.2020.</a:t>
+              <a:t>6.2.2020.</a:t>
             </a:fld>
             <a:endParaRPr lang="hr-HR"/>
           </a:p>
@@ -3452,7 +3457,7 @@
           <a:p>
             <a:fld id="{60158256-5D41-4188-A8A3-7702DEC4CA9C}" type="datetimeFigureOut">
               <a:rPr lang="hr-HR" smtClean="0"/>
-              <a:t>5.2.2020.</a:t>
+              <a:t>6.2.2020.</a:t>
             </a:fld>
             <a:endParaRPr lang="hr-HR"/>
           </a:p>
@@ -3826,7 +3831,7 @@
           <a:p>
             <a:fld id="{60158256-5D41-4188-A8A3-7702DEC4CA9C}" type="datetimeFigureOut">
               <a:rPr lang="hr-HR" smtClean="0"/>
-              <a:t>5.2.2020.</a:t>
+              <a:t>6.2.2020.</a:t>
             </a:fld>
             <a:endParaRPr lang="hr-HR"/>
           </a:p>
@@ -3949,7 +3954,7 @@
           <a:p>
             <a:fld id="{60158256-5D41-4188-A8A3-7702DEC4CA9C}" type="datetimeFigureOut">
               <a:rPr lang="hr-HR" smtClean="0"/>
-              <a:t>5.2.2020.</a:t>
+              <a:t>6.2.2020.</a:t>
             </a:fld>
             <a:endParaRPr lang="hr-HR"/>
           </a:p>
@@ -4044,7 +4049,7 @@
           <a:p>
             <a:fld id="{60158256-5D41-4188-A8A3-7702DEC4CA9C}" type="datetimeFigureOut">
               <a:rPr lang="hr-HR" smtClean="0"/>
-              <a:t>5.2.2020.</a:t>
+              <a:t>6.2.2020.</a:t>
             </a:fld>
             <a:endParaRPr lang="hr-HR"/>
           </a:p>
@@ -4299,7 +4304,7 @@
           <a:p>
             <a:fld id="{60158256-5D41-4188-A8A3-7702DEC4CA9C}" type="datetimeFigureOut">
               <a:rPr lang="hr-HR" smtClean="0"/>
-              <a:t>5.2.2020.</a:t>
+              <a:t>6.2.2020.</a:t>
             </a:fld>
             <a:endParaRPr lang="hr-HR"/>
           </a:p>
@@ -4562,7 +4567,7 @@
           <a:p>
             <a:fld id="{60158256-5D41-4188-A8A3-7702DEC4CA9C}" type="datetimeFigureOut">
               <a:rPr lang="hr-HR" smtClean="0"/>
-              <a:t>5.2.2020.</a:t>
+              <a:t>6.2.2020.</a:t>
             </a:fld>
             <a:endParaRPr lang="hr-HR"/>
           </a:p>
@@ -5305,7 +5310,7 @@
           <a:p>
             <a:fld id="{60158256-5D41-4188-A8A3-7702DEC4CA9C}" type="datetimeFigureOut">
               <a:rPr lang="hr-HR" smtClean="0"/>
-              <a:t>5.2.2020.</a:t>
+              <a:t>6.2.2020.</a:t>
             </a:fld>
             <a:endParaRPr lang="hr-HR"/>
           </a:p>
@@ -6095,10 +6100,10 @@
       </p:sp>
       <p:pic>
         <p:nvPicPr>
-          <p:cNvPr id="4" name="Content Placeholder 3">
+          <p:cNvPr id="6" name="Content Placeholder 5">
             <a:extLst>
               <a:ext uri="{FF2B5EF4-FFF2-40B4-BE49-F238E27FC236}">
-                <a16:creationId xmlns:a16="http://schemas.microsoft.com/office/drawing/2014/main" id="{1D41B3A3-8109-4C74-A126-91BC60566554}"/>
+                <a16:creationId xmlns:a16="http://schemas.microsoft.com/office/drawing/2014/main" id="{8DE608AE-0CFC-4EF6-829E-A4B39DA0FF71}"/>
               </a:ext>
             </a:extLst>
           </p:cNvPr>
@@ -6117,8 +6122,8 @@
         </p:blipFill>
         <p:spPr>
           <a:xfrm>
-            <a:off x="4826504" y="1712596"/>
-            <a:ext cx="2538992" cy="4535804"/>
+            <a:off x="4774520" y="1496581"/>
+            <a:ext cx="2642960" cy="4671279"/>
           </a:xfrm>
           <a:prstGeom prst="rect">
             <a:avLst/>
